--- a/documentation/presentation/Token-level author diarization using clustering of stylistic contexts.pptx
+++ b/documentation/presentation/Token-level author diarization using clustering of stylistic contexts.pptx
@@ -9073,7 +9073,7 @@
   <dgm:whole/>
   <dgm:extLst>
     <a:ext uri="http://schemas.microsoft.com/office/drawing/2008/diagram">
-      <dsp:dataModelExt xmlns:dsp="http://schemas.microsoft.com/office/drawing/2008/diagram" relId="rId7" minVer="http://schemas.openxmlformats.org/drawingml/2006/diagram"/>
+      <dsp:dataModelExt xmlns:dsp="http://schemas.microsoft.com/office/drawing/2008/diagram" relId="rId8" minVer="http://schemas.openxmlformats.org/drawingml/2006/diagram"/>
     </a:ext>
   </dgm:extLst>
 </dgm:dataModel>
@@ -23685,7 +23685,7 @@
           <a:p>
             <a:fld id="{44B3C5A4-0CCA-4BBB-B598-370495444CF2}" type="datetimeFigureOut">
               <a:rPr lang="hr-HR" smtClean="0"/>
-              <a:t>2017-06-08</a:t>
+              <a:t>8.6.2017.</a:t>
             </a:fld>
             <a:endParaRPr lang="hr-HR"/>
           </a:p>
@@ -24081,6 +24081,275 @@
           <a:bodyPr/>
           <a:lstStyle/>
           <a:p>
+            <a:r>
+              <a:rPr lang="hr-HR" dirty="0" err="1"/>
+              <a:t>Our</a:t>
+            </a:r>
+            <a:r>
+              <a:rPr lang="hr-HR" dirty="0"/>
+              <a:t> </a:t>
+            </a:r>
+            <a:r>
+              <a:rPr lang="hr-HR" dirty="0" err="1"/>
+              <a:t>approach</a:t>
+            </a:r>
+            <a:r>
+              <a:rPr lang="hr-HR" dirty="0"/>
+              <a:t> </a:t>
+            </a:r>
+            <a:r>
+              <a:rPr lang="hr-HR" dirty="0" err="1"/>
+              <a:t>was</a:t>
+            </a:r>
+            <a:r>
+              <a:rPr lang="hr-HR" dirty="0"/>
+              <a:t> </a:t>
+            </a:r>
+            <a:r>
+              <a:rPr lang="hr-HR" dirty="0" err="1"/>
+              <a:t>based</a:t>
+            </a:r>
+            <a:r>
+              <a:rPr lang="hr-HR" dirty="0"/>
+              <a:t> on </a:t>
+            </a:r>
+            <a:r>
+              <a:rPr lang="hr-HR" dirty="0" err="1"/>
+              <a:t>previous</a:t>
+            </a:r>
+            <a:r>
+              <a:rPr lang="hr-HR" dirty="0"/>
+              <a:t> </a:t>
+            </a:r>
+            <a:r>
+              <a:rPr lang="hr-HR" dirty="0" err="1"/>
+              <a:t>work</a:t>
+            </a:r>
+            <a:r>
+              <a:rPr lang="hr-HR" dirty="0"/>
+              <a:t> </a:t>
+            </a:r>
+            <a:r>
+              <a:rPr lang="hr-HR" dirty="0" err="1"/>
+              <a:t>from</a:t>
+            </a:r>
+            <a:r>
+              <a:rPr lang="hr-HR" dirty="0"/>
+              <a:t> </a:t>
+            </a:r>
+            <a:r>
+              <a:rPr lang="hr-HR" dirty="0" err="1"/>
+              <a:t>authorship</a:t>
+            </a:r>
+            <a:r>
+              <a:rPr lang="hr-HR" dirty="0"/>
+              <a:t> </a:t>
+            </a:r>
+            <a:r>
+              <a:rPr lang="hr-HR" dirty="0" err="1"/>
+              <a:t>analysis</a:t>
+            </a:r>
+            <a:r>
+              <a:rPr lang="hr-HR" dirty="0"/>
+              <a:t> </a:t>
+            </a:r>
+            <a:r>
+              <a:rPr lang="hr-HR" dirty="0" err="1"/>
+              <a:t>where</a:t>
+            </a:r>
+            <a:r>
+              <a:rPr lang="hr-HR" dirty="0"/>
+              <a:t> </a:t>
+            </a:r>
+            <a:r>
+              <a:rPr lang="hr-HR" dirty="0" err="1"/>
+              <a:t>the</a:t>
+            </a:r>
+            <a:r>
+              <a:rPr lang="hr-HR" dirty="0"/>
+              <a:t> </a:t>
+            </a:r>
+            <a:r>
+              <a:rPr lang="hr-HR" dirty="0" err="1"/>
+              <a:t>main</a:t>
+            </a:r>
+            <a:r>
+              <a:rPr lang="hr-HR" dirty="0"/>
+              <a:t> </a:t>
+            </a:r>
+            <a:r>
+              <a:rPr lang="hr-HR" dirty="0" err="1"/>
+              <a:t>assumption</a:t>
+            </a:r>
+            <a:endParaRPr lang="hr-HR" dirty="0"/>
+          </a:p>
+          <a:p>
+            <a:r>
+              <a:rPr lang="hr-HR" dirty="0" err="1"/>
+              <a:t>Is</a:t>
+            </a:r>
+            <a:r>
+              <a:rPr lang="hr-HR" dirty="0"/>
+              <a:t> </a:t>
+            </a:r>
+            <a:r>
+              <a:rPr lang="hr-HR" dirty="0" err="1"/>
+              <a:t>that</a:t>
+            </a:r>
+            <a:r>
+              <a:rPr lang="hr-HR" dirty="0"/>
+              <a:t> </a:t>
+            </a:r>
+            <a:r>
+              <a:rPr lang="hr-HR" dirty="0" err="1"/>
+              <a:t>every</a:t>
+            </a:r>
+            <a:r>
+              <a:rPr lang="hr-HR" dirty="0"/>
+              <a:t> </a:t>
+            </a:r>
+            <a:r>
+              <a:rPr lang="hr-HR" dirty="0" err="1"/>
+              <a:t>author</a:t>
+            </a:r>
+            <a:r>
+              <a:rPr lang="hr-HR" dirty="0"/>
+              <a:t> </a:t>
+            </a:r>
+            <a:r>
+              <a:rPr lang="hr-HR" dirty="0" err="1"/>
+              <a:t>has</a:t>
+            </a:r>
+            <a:r>
+              <a:rPr lang="hr-HR" dirty="0"/>
+              <a:t> </a:t>
+            </a:r>
+            <a:r>
+              <a:rPr lang="hr-HR" dirty="0" err="1"/>
+              <a:t>its</a:t>
+            </a:r>
+            <a:r>
+              <a:rPr lang="hr-HR" dirty="0"/>
+              <a:t> </a:t>
+            </a:r>
+            <a:r>
+              <a:rPr lang="hr-HR" dirty="0" err="1"/>
+              <a:t>own</a:t>
+            </a:r>
+            <a:r>
+              <a:rPr lang="hr-HR" dirty="0"/>
+              <a:t> </a:t>
+            </a:r>
+            <a:r>
+              <a:rPr lang="hr-HR" dirty="0" err="1"/>
+              <a:t>unique</a:t>
+            </a:r>
+            <a:r>
+              <a:rPr lang="hr-HR" dirty="0"/>
+              <a:t> </a:t>
+            </a:r>
+            <a:r>
+              <a:rPr lang="hr-HR" dirty="0" err="1"/>
+              <a:t>writing</a:t>
+            </a:r>
+            <a:r>
+              <a:rPr lang="hr-HR" dirty="0"/>
+              <a:t> </a:t>
+            </a:r>
+            <a:r>
+              <a:rPr lang="hr-HR" dirty="0" err="1"/>
+              <a:t>style</a:t>
+            </a:r>
+            <a:r>
+              <a:rPr lang="hr-HR" dirty="0"/>
+              <a:t>. -&gt; </a:t>
+            </a:r>
+            <a:r>
+              <a:rPr lang="hr-HR" dirty="0" err="1"/>
+              <a:t>places</a:t>
+            </a:r>
+            <a:r>
+              <a:rPr lang="hr-HR" dirty="0"/>
+              <a:t> -&gt; </a:t>
+            </a:r>
+            <a:r>
+              <a:rPr lang="hr-HR" dirty="0" err="1"/>
+              <a:t>token</a:t>
+            </a:r>
+            <a:r>
+              <a:rPr lang="hr-HR" dirty="0"/>
+              <a:t> </a:t>
+            </a:r>
+            <a:r>
+              <a:rPr lang="hr-HR" dirty="0" err="1"/>
+              <a:t>level</a:t>
+            </a:r>
+            <a:r>
+              <a:rPr lang="hr-HR" dirty="0"/>
+              <a:t> &gt; </a:t>
+            </a:r>
+            <a:r>
+              <a:rPr lang="hr-HR" dirty="0" err="1"/>
+              <a:t>clustering</a:t>
+            </a:r>
+            <a:r>
+              <a:rPr lang="hr-HR" dirty="0"/>
+              <a:t>  </a:t>
+            </a:r>
+            <a:r>
+              <a:rPr lang="hr-HR" dirty="0" err="1"/>
+              <a:t>tokens</a:t>
+            </a:r>
+            <a:r>
+              <a:rPr lang="hr-HR" dirty="0"/>
+              <a:t>  </a:t>
+            </a:r>
+            <a:r>
+              <a:rPr lang="hr-HR" dirty="0" err="1"/>
+              <a:t>by</a:t>
+            </a:r>
+            <a:r>
+              <a:rPr lang="hr-HR" dirty="0"/>
+              <a:t> </a:t>
+            </a:r>
+            <a:r>
+              <a:rPr lang="hr-HR" dirty="0" err="1"/>
+              <a:t>authror</a:t>
+            </a:r>
+            <a:r>
+              <a:rPr lang="hr-HR" dirty="0"/>
+              <a:t> -&gt;</a:t>
+            </a:r>
+          </a:p>
+          <a:p>
+            <a:r>
+              <a:rPr lang="hr-HR" dirty="0" err="1"/>
+              <a:t>Not</a:t>
+            </a:r>
+            <a:r>
+              <a:rPr lang="hr-HR" dirty="0"/>
+              <a:t> </a:t>
+            </a:r>
+            <a:r>
+              <a:rPr lang="hr-HR" dirty="0" err="1"/>
+              <a:t>alone</a:t>
+            </a:r>
+            <a:r>
+              <a:rPr lang="hr-HR" dirty="0"/>
+              <a:t> -&gt; </a:t>
+            </a:r>
+            <a:r>
+              <a:rPr lang="hr-HR" dirty="0" err="1"/>
+              <a:t>stylistic</a:t>
+            </a:r>
+            <a:r>
+              <a:rPr lang="hr-HR" dirty="0"/>
+              <a:t> </a:t>
+            </a:r>
+            <a:r>
+              <a:rPr lang="hr-HR" dirty="0" err="1"/>
+              <a:t>contexts</a:t>
+            </a:r>
             <a:endParaRPr lang="hr-HR" dirty="0"/>
           </a:p>
         </p:txBody>
@@ -24102,7 +24371,7 @@
           <a:p>
             <a:fld id="{55E96210-A9A4-43FB-8065-D05213461070}" type="slidenum">
               <a:rPr lang="hr-HR" smtClean="0"/>
-              <a:t>8</a:t>
+              <a:t>6</a:t>
             </a:fld>
             <a:endParaRPr lang="hr-HR"/>
           </a:p>
@@ -24111,7 +24380,7 @@
     </p:spTree>
     <p:extLst>
       <p:ext uri="{BB962C8B-B14F-4D97-AF65-F5344CB8AC3E}">
-        <p14:creationId xmlns:p14="http://schemas.microsoft.com/office/powerpoint/2010/main" val="4236126103"/>
+        <p14:creationId xmlns:p14="http://schemas.microsoft.com/office/powerpoint/2010/main" val="2207796960"/>
       </p:ext>
     </p:extLst>
   </p:cSld>
@@ -24165,343 +24434,6 @@
           <a:bodyPr/>
           <a:lstStyle/>
           <a:p>
-            <a:r>
-              <a:rPr lang="en-US" sz="1200" b="0" i="1" kern="1200" dirty="0" err="1">
-                <a:solidFill>
-                  <a:schemeClr val="tx1"/>
-                </a:solidFill>
-                <a:effectLst/>
-                <a:latin typeface="+mn-lt"/>
-                <a:ea typeface="+mn-ea"/>
-                <a:cs typeface="+mn-cs"/>
-              </a:rPr>
-              <a:t>L</a:t>
-            </a:r>
-            <a:r>
-              <a:rPr lang="en-US" sz="1200" b="0" i="0" kern="1200" dirty="0" err="1">
-                <a:solidFill>
-                  <a:schemeClr val="tx1"/>
-                </a:solidFill>
-                <a:effectLst/>
-                <a:latin typeface="+mn-lt"/>
-                <a:ea typeface="+mn-ea"/>
-                <a:cs typeface="+mn-cs"/>
-              </a:rPr>
-              <a:t>c</a:t>
-            </a:r>
-            <a:r>
-              <a:rPr lang="en-US" sz="1200" b="0" i="0" kern="1200" dirty="0">
-                <a:solidFill>
-                  <a:schemeClr val="tx1"/>
-                </a:solidFill>
-                <a:effectLst/>
-                <a:latin typeface="+mn-lt"/>
-                <a:ea typeface="+mn-ea"/>
-                <a:cs typeface="+mn-cs"/>
-              </a:rPr>
-              <a:t> is proportional to the average variance of groups</a:t>
-            </a:r>
-            <a:r>
-              <a:rPr lang="en-US" dirty="0"/>
-              <a:t> </a:t>
-            </a:r>
-            <a:endParaRPr lang="hr-HR" dirty="0"/>
-          </a:p>
-          <a:p>
-            <a:r>
-              <a:rPr lang="hr-HR" sz="1200" b="0" i="1" kern="1200" dirty="0" err="1">
-                <a:solidFill>
-                  <a:schemeClr val="tx1"/>
-                </a:solidFill>
-                <a:effectLst/>
-                <a:latin typeface="+mn-lt"/>
-                <a:ea typeface="+mn-ea"/>
-                <a:cs typeface="+mn-cs"/>
-              </a:rPr>
-              <a:t>L</a:t>
-            </a:r>
-            <a:r>
-              <a:rPr lang="hr-HR" sz="1200" b="0" i="0" kern="1200" dirty="0" err="1">
-                <a:solidFill>
-                  <a:schemeClr val="tx1"/>
-                </a:solidFill>
-                <a:effectLst/>
-                <a:latin typeface="+mn-lt"/>
-                <a:ea typeface="+mn-ea"/>
-                <a:cs typeface="+mn-cs"/>
-              </a:rPr>
-              <a:t>s</a:t>
-            </a:r>
-            <a:r>
-              <a:rPr lang="hr-HR" sz="1200" b="0" i="0" kern="1200" dirty="0">
-                <a:solidFill>
-                  <a:schemeClr val="tx1"/>
-                </a:solidFill>
-                <a:effectLst/>
-                <a:latin typeface="+mn-lt"/>
-                <a:ea typeface="+mn-ea"/>
-                <a:cs typeface="+mn-cs"/>
-              </a:rPr>
-              <a:t> </a:t>
-            </a:r>
-            <a:r>
-              <a:rPr lang="en-US" sz="1200" b="0" i="0" kern="1200" dirty="0">
-                <a:solidFill>
-                  <a:schemeClr val="tx1"/>
-                </a:solidFill>
-                <a:effectLst/>
-                <a:latin typeface="+mn-lt"/>
-                <a:ea typeface="+mn-ea"/>
-                <a:cs typeface="+mn-cs"/>
-              </a:rPr>
-              <a:t>penalizes centroids being</a:t>
-            </a:r>
-            <a:r>
-              <a:rPr lang="hr-HR" sz="1200" b="0" i="0" kern="1200" dirty="0">
-                <a:solidFill>
-                  <a:schemeClr val="tx1"/>
-                </a:solidFill>
-                <a:effectLst/>
-                <a:latin typeface="+mn-lt"/>
-                <a:ea typeface="+mn-ea"/>
-                <a:cs typeface="+mn-cs"/>
-              </a:rPr>
-              <a:t> </a:t>
-            </a:r>
-            <a:r>
-              <a:rPr lang="en-US" sz="1200" b="0" i="0" kern="1200" dirty="0">
-                <a:solidFill>
-                  <a:schemeClr val="tx1"/>
-                </a:solidFill>
-                <a:effectLst/>
-                <a:latin typeface="+mn-lt"/>
-                <a:ea typeface="+mn-ea"/>
-                <a:cs typeface="+mn-cs"/>
-              </a:rPr>
-              <a:t>too close to each other</a:t>
-            </a:r>
-            <a:r>
-              <a:rPr lang="en-US" dirty="0"/>
-              <a:t> </a:t>
-            </a:r>
-            <a:endParaRPr lang="hr-HR" sz="1200" b="0" i="0" kern="1200" dirty="0">
-              <a:solidFill>
-                <a:schemeClr val="tx1"/>
-              </a:solidFill>
-              <a:effectLst/>
-              <a:latin typeface="+mn-lt"/>
-              <a:ea typeface="+mn-ea"/>
-              <a:cs typeface="+mn-cs"/>
-            </a:endParaRPr>
-          </a:p>
-          <a:p>
-            <a:r>
-              <a:rPr lang="en-US" sz="1200" b="0" i="0" kern="1200" dirty="0">
-                <a:solidFill>
-                  <a:schemeClr val="tx1"/>
-                </a:solidFill>
-                <a:effectLst/>
-                <a:latin typeface="+mn-lt"/>
-                <a:ea typeface="+mn-ea"/>
-                <a:cs typeface="+mn-cs"/>
-              </a:rPr>
-              <a:t>The </a:t>
-            </a:r>
-            <a:r>
-              <a:rPr lang="en-US" sz="1200" b="0" i="1" kern="1200" dirty="0">
-                <a:solidFill>
-                  <a:schemeClr val="tx1"/>
-                </a:solidFill>
-                <a:effectLst/>
-                <a:latin typeface="+mn-lt"/>
-                <a:ea typeface="+mn-ea"/>
-                <a:cs typeface="+mn-cs"/>
-              </a:rPr>
-              <a:t>compactness loss </a:t>
-            </a:r>
-            <a:r>
-              <a:rPr lang="en-US" sz="1200" b="0" i="1" kern="1200" dirty="0" err="1">
-                <a:solidFill>
-                  <a:schemeClr val="tx1"/>
-                </a:solidFill>
-                <a:effectLst/>
-                <a:latin typeface="+mn-lt"/>
-                <a:ea typeface="+mn-ea"/>
-                <a:cs typeface="+mn-cs"/>
-              </a:rPr>
-              <a:t>L</a:t>
-            </a:r>
-            <a:r>
-              <a:rPr lang="en-US" sz="1200" b="0" i="0" kern="1200" dirty="0" err="1">
-                <a:solidFill>
-                  <a:schemeClr val="tx1"/>
-                </a:solidFill>
-                <a:effectLst/>
-                <a:latin typeface="+mn-lt"/>
-                <a:ea typeface="+mn-ea"/>
-                <a:cs typeface="+mn-cs"/>
-              </a:rPr>
-              <a:t>c</a:t>
-            </a:r>
-            <a:r>
-              <a:rPr lang="en-US" sz="1200" b="0" i="0" kern="1200" dirty="0">
-                <a:solidFill>
-                  <a:schemeClr val="tx1"/>
-                </a:solidFill>
-                <a:effectLst/>
-                <a:latin typeface="+mn-lt"/>
-                <a:ea typeface="+mn-ea"/>
-                <a:cs typeface="+mn-cs"/>
-              </a:rPr>
-              <a:t> is a weighted sum of within-group</a:t>
-            </a:r>
-            <a:r>
-              <a:rPr lang="hr-HR" sz="1200" b="0" i="0" kern="1200" dirty="0">
-                <a:solidFill>
-                  <a:schemeClr val="tx1"/>
-                </a:solidFill>
-                <a:effectLst/>
-                <a:latin typeface="+mn-lt"/>
-                <a:ea typeface="+mn-ea"/>
-                <a:cs typeface="+mn-cs"/>
-              </a:rPr>
-              <a:t> </a:t>
-            </a:r>
-            <a:r>
-              <a:rPr lang="en-US" sz="1200" b="0" i="0" kern="1200" dirty="0">
-                <a:solidFill>
-                  <a:schemeClr val="tx1"/>
-                </a:solidFill>
-                <a:effectLst/>
-                <a:latin typeface="+mn-lt"/>
-                <a:ea typeface="+mn-ea"/>
-                <a:cs typeface="+mn-cs"/>
-              </a:rPr>
-              <a:t>variances. The </a:t>
-            </a:r>
-            <a:r>
-              <a:rPr lang="en-US" sz="1200" b="0" i="1" kern="1200" dirty="0">
-                <a:solidFill>
-                  <a:schemeClr val="tx1"/>
-                </a:solidFill>
-                <a:effectLst/>
-                <a:latin typeface="+mn-lt"/>
-                <a:ea typeface="+mn-ea"/>
-                <a:cs typeface="+mn-cs"/>
-              </a:rPr>
-              <a:t>segregation loss L</a:t>
-            </a:r>
-            <a:r>
-              <a:rPr lang="en-US" sz="1200" b="0" i="0" kern="1200" dirty="0">
-                <a:solidFill>
-                  <a:schemeClr val="tx1"/>
-                </a:solidFill>
-                <a:effectLst/>
-                <a:latin typeface="+mn-lt"/>
-                <a:ea typeface="+mn-ea"/>
-                <a:cs typeface="+mn-cs"/>
-              </a:rPr>
-              <a:t>s is proportional to the</a:t>
-            </a:r>
-            <a:br>
-              <a:rPr lang="en-US" sz="1200" b="0" i="0" kern="1200" dirty="0">
-                <a:solidFill>
-                  <a:schemeClr val="tx1"/>
-                </a:solidFill>
-                <a:effectLst/>
-                <a:latin typeface="+mn-lt"/>
-                <a:ea typeface="+mn-ea"/>
-                <a:cs typeface="+mn-cs"/>
-              </a:rPr>
-            </a:br>
-            <a:r>
-              <a:rPr lang="en-US" sz="1200" b="0" i="0" kern="1200" dirty="0">
-                <a:solidFill>
-                  <a:schemeClr val="tx1"/>
-                </a:solidFill>
-                <a:effectLst/>
-                <a:latin typeface="+mn-lt"/>
-                <a:ea typeface="+mn-ea"/>
-                <a:cs typeface="+mn-cs"/>
-              </a:rPr>
-              <a:t>sum of magnitudes (not magnitude of the sum) of forces</a:t>
-            </a:r>
-            <a:r>
-              <a:rPr lang="hr-HR" sz="1200" b="0" i="0" kern="1200" dirty="0">
-                <a:solidFill>
-                  <a:schemeClr val="tx1"/>
-                </a:solidFill>
-                <a:effectLst/>
-                <a:latin typeface="+mn-lt"/>
-                <a:ea typeface="+mn-ea"/>
-                <a:cs typeface="+mn-cs"/>
-              </a:rPr>
-              <a:t> </a:t>
-            </a:r>
-            <a:r>
-              <a:rPr lang="en-US" sz="1200" b="0" i="0" kern="1200" dirty="0">
-                <a:solidFill>
-                  <a:schemeClr val="tx1"/>
-                </a:solidFill>
-                <a:effectLst/>
-                <a:latin typeface="+mn-lt"/>
-                <a:ea typeface="+mn-ea"/>
-                <a:cs typeface="+mn-cs"/>
-              </a:rPr>
-              <a:t>between </a:t>
-            </a:r>
-            <a:r>
-              <a:rPr lang="en-US" sz="1200" b="0" i="1" kern="1200" dirty="0">
-                <a:solidFill>
-                  <a:schemeClr val="tx1"/>
-                </a:solidFill>
-                <a:effectLst/>
-                <a:latin typeface="+mn-lt"/>
-                <a:ea typeface="+mn-ea"/>
-                <a:cs typeface="+mn-cs"/>
-              </a:rPr>
-              <a:t>c </a:t>
-            </a:r>
-            <a:r>
-              <a:rPr lang="en-US" sz="1200" b="0" i="0" kern="1200" dirty="0">
-                <a:solidFill>
-                  <a:schemeClr val="tx1"/>
-                </a:solidFill>
-                <a:effectLst/>
-                <a:latin typeface="+mn-lt"/>
-                <a:ea typeface="+mn-ea"/>
-                <a:cs typeface="+mn-cs"/>
-              </a:rPr>
-              <a:t>equally charged particles each located at one of</a:t>
-            </a:r>
-            <a:r>
-              <a:rPr lang="hr-HR" sz="1200" b="0" i="0" kern="1200" dirty="0">
-                <a:solidFill>
-                  <a:schemeClr val="tx1"/>
-                </a:solidFill>
-                <a:effectLst/>
-                <a:latin typeface="+mn-lt"/>
-                <a:ea typeface="+mn-ea"/>
-                <a:cs typeface="+mn-cs"/>
-              </a:rPr>
-              <a:t> </a:t>
-            </a:r>
-            <a:r>
-              <a:rPr lang="en-US" sz="1200" b="0" i="0" kern="1200" dirty="0">
-                <a:solidFill>
-                  <a:schemeClr val="tx1"/>
-                </a:solidFill>
-                <a:effectLst/>
-                <a:latin typeface="+mn-lt"/>
-                <a:ea typeface="+mn-ea"/>
-                <a:cs typeface="+mn-cs"/>
-              </a:rPr>
-              <a:t>the centroids.</a:t>
-            </a:r>
-            <a:r>
-              <a:rPr lang="en-US" dirty="0"/>
-              <a:t> </a:t>
-            </a:r>
             <a:endParaRPr lang="hr-HR" dirty="0"/>
           </a:p>
         </p:txBody>
@@ -24523,7 +24455,7 @@
           <a:p>
             <a:fld id="{55E96210-A9A4-43FB-8065-D05213461070}" type="slidenum">
               <a:rPr lang="hr-HR" smtClean="0"/>
-              <a:t>9</a:t>
+              <a:t>8</a:t>
             </a:fld>
             <a:endParaRPr lang="hr-HR"/>
           </a:p>
@@ -24532,7 +24464,7 @@
     </p:spTree>
     <p:extLst>
       <p:ext uri="{BB962C8B-B14F-4D97-AF65-F5344CB8AC3E}">
-        <p14:creationId xmlns:p14="http://schemas.microsoft.com/office/powerpoint/2010/main" val="857180357"/>
+        <p14:creationId xmlns:p14="http://schemas.microsoft.com/office/powerpoint/2010/main" val="4236126103"/>
       </p:ext>
     </p:extLst>
   </p:cSld>
@@ -24587,6 +24519,427 @@
           <a:lstStyle/>
           <a:p>
             <a:r>
+              <a:rPr lang="en-US" sz="1200" b="0" i="1" kern="1200" dirty="0" err="1">
+                <a:solidFill>
+                  <a:schemeClr val="tx1"/>
+                </a:solidFill>
+                <a:effectLst/>
+                <a:latin typeface="+mn-lt"/>
+                <a:ea typeface="+mn-ea"/>
+                <a:cs typeface="+mn-cs"/>
+              </a:rPr>
+              <a:t>L</a:t>
+            </a:r>
+            <a:r>
+              <a:rPr lang="en-US" sz="1200" b="0" i="0" kern="1200" dirty="0" err="1">
+                <a:solidFill>
+                  <a:schemeClr val="tx1"/>
+                </a:solidFill>
+                <a:effectLst/>
+                <a:latin typeface="+mn-lt"/>
+                <a:ea typeface="+mn-ea"/>
+                <a:cs typeface="+mn-cs"/>
+              </a:rPr>
+              <a:t>c</a:t>
+            </a:r>
+            <a:r>
+              <a:rPr lang="en-US" sz="1200" b="0" i="0" kern="1200" dirty="0">
+                <a:solidFill>
+                  <a:schemeClr val="tx1"/>
+                </a:solidFill>
+                <a:effectLst/>
+                <a:latin typeface="+mn-lt"/>
+                <a:ea typeface="+mn-ea"/>
+                <a:cs typeface="+mn-cs"/>
+              </a:rPr>
+              <a:t> is proportional to the average variance of groups</a:t>
+            </a:r>
+            <a:r>
+              <a:rPr lang="en-US" dirty="0"/>
+              <a:t> </a:t>
+            </a:r>
+            <a:endParaRPr lang="hr-HR" dirty="0"/>
+          </a:p>
+          <a:p>
+            <a:r>
+              <a:rPr lang="hr-HR" sz="1200" b="0" i="1" kern="1200" dirty="0" err="1">
+                <a:solidFill>
+                  <a:schemeClr val="tx1"/>
+                </a:solidFill>
+                <a:effectLst/>
+                <a:latin typeface="+mn-lt"/>
+                <a:ea typeface="+mn-ea"/>
+                <a:cs typeface="+mn-cs"/>
+              </a:rPr>
+              <a:t>L</a:t>
+            </a:r>
+            <a:r>
+              <a:rPr lang="hr-HR" sz="1200" b="0" i="0" kern="1200" dirty="0" err="1">
+                <a:solidFill>
+                  <a:schemeClr val="tx1"/>
+                </a:solidFill>
+                <a:effectLst/>
+                <a:latin typeface="+mn-lt"/>
+                <a:ea typeface="+mn-ea"/>
+                <a:cs typeface="+mn-cs"/>
+              </a:rPr>
+              <a:t>s</a:t>
+            </a:r>
+            <a:r>
+              <a:rPr lang="hr-HR" sz="1200" b="0" i="0" kern="1200" dirty="0">
+                <a:solidFill>
+                  <a:schemeClr val="tx1"/>
+                </a:solidFill>
+                <a:effectLst/>
+                <a:latin typeface="+mn-lt"/>
+                <a:ea typeface="+mn-ea"/>
+                <a:cs typeface="+mn-cs"/>
+              </a:rPr>
+              <a:t> </a:t>
+            </a:r>
+            <a:r>
+              <a:rPr lang="en-US" sz="1200" b="0" i="0" kern="1200" dirty="0">
+                <a:solidFill>
+                  <a:schemeClr val="tx1"/>
+                </a:solidFill>
+                <a:effectLst/>
+                <a:latin typeface="+mn-lt"/>
+                <a:ea typeface="+mn-ea"/>
+                <a:cs typeface="+mn-cs"/>
+              </a:rPr>
+              <a:t>penalizes centroids being</a:t>
+            </a:r>
+            <a:r>
+              <a:rPr lang="hr-HR" sz="1200" b="0" i="0" kern="1200" dirty="0">
+                <a:solidFill>
+                  <a:schemeClr val="tx1"/>
+                </a:solidFill>
+                <a:effectLst/>
+                <a:latin typeface="+mn-lt"/>
+                <a:ea typeface="+mn-ea"/>
+                <a:cs typeface="+mn-cs"/>
+              </a:rPr>
+              <a:t> </a:t>
+            </a:r>
+            <a:r>
+              <a:rPr lang="en-US" sz="1200" b="0" i="0" kern="1200" dirty="0">
+                <a:solidFill>
+                  <a:schemeClr val="tx1"/>
+                </a:solidFill>
+                <a:effectLst/>
+                <a:latin typeface="+mn-lt"/>
+                <a:ea typeface="+mn-ea"/>
+                <a:cs typeface="+mn-cs"/>
+              </a:rPr>
+              <a:t>too close to each other</a:t>
+            </a:r>
+            <a:r>
+              <a:rPr lang="en-US" dirty="0"/>
+              <a:t> </a:t>
+            </a:r>
+            <a:endParaRPr lang="hr-HR" sz="1200" b="0" i="0" kern="1200" dirty="0">
+              <a:solidFill>
+                <a:schemeClr val="tx1"/>
+              </a:solidFill>
+              <a:effectLst/>
+              <a:latin typeface="+mn-lt"/>
+              <a:ea typeface="+mn-ea"/>
+              <a:cs typeface="+mn-cs"/>
+            </a:endParaRPr>
+          </a:p>
+          <a:p>
+            <a:r>
+              <a:rPr lang="en-US" sz="1200" b="0" i="0" kern="1200" dirty="0">
+                <a:solidFill>
+                  <a:schemeClr val="tx1"/>
+                </a:solidFill>
+                <a:effectLst/>
+                <a:latin typeface="+mn-lt"/>
+                <a:ea typeface="+mn-ea"/>
+                <a:cs typeface="+mn-cs"/>
+              </a:rPr>
+              <a:t>The </a:t>
+            </a:r>
+            <a:r>
+              <a:rPr lang="en-US" sz="1200" b="0" i="1" kern="1200" dirty="0">
+                <a:solidFill>
+                  <a:schemeClr val="tx1"/>
+                </a:solidFill>
+                <a:effectLst/>
+                <a:latin typeface="+mn-lt"/>
+                <a:ea typeface="+mn-ea"/>
+                <a:cs typeface="+mn-cs"/>
+              </a:rPr>
+              <a:t>compactness loss </a:t>
+            </a:r>
+            <a:r>
+              <a:rPr lang="en-US" sz="1200" b="0" i="1" kern="1200" dirty="0" err="1">
+                <a:solidFill>
+                  <a:schemeClr val="tx1"/>
+                </a:solidFill>
+                <a:effectLst/>
+                <a:latin typeface="+mn-lt"/>
+                <a:ea typeface="+mn-ea"/>
+                <a:cs typeface="+mn-cs"/>
+              </a:rPr>
+              <a:t>L</a:t>
+            </a:r>
+            <a:r>
+              <a:rPr lang="en-US" sz="1200" b="0" i="0" kern="1200" dirty="0" err="1">
+                <a:solidFill>
+                  <a:schemeClr val="tx1"/>
+                </a:solidFill>
+                <a:effectLst/>
+                <a:latin typeface="+mn-lt"/>
+                <a:ea typeface="+mn-ea"/>
+                <a:cs typeface="+mn-cs"/>
+              </a:rPr>
+              <a:t>c</a:t>
+            </a:r>
+            <a:r>
+              <a:rPr lang="en-US" sz="1200" b="0" i="0" kern="1200" dirty="0">
+                <a:solidFill>
+                  <a:schemeClr val="tx1"/>
+                </a:solidFill>
+                <a:effectLst/>
+                <a:latin typeface="+mn-lt"/>
+                <a:ea typeface="+mn-ea"/>
+                <a:cs typeface="+mn-cs"/>
+              </a:rPr>
+              <a:t> is a weighted sum of within-group</a:t>
+            </a:r>
+            <a:r>
+              <a:rPr lang="hr-HR" sz="1200" b="0" i="0" kern="1200" dirty="0">
+                <a:solidFill>
+                  <a:schemeClr val="tx1"/>
+                </a:solidFill>
+                <a:effectLst/>
+                <a:latin typeface="+mn-lt"/>
+                <a:ea typeface="+mn-ea"/>
+                <a:cs typeface="+mn-cs"/>
+              </a:rPr>
+              <a:t> </a:t>
+            </a:r>
+            <a:r>
+              <a:rPr lang="en-US" sz="1200" b="0" i="0" kern="1200" dirty="0">
+                <a:solidFill>
+                  <a:schemeClr val="tx1"/>
+                </a:solidFill>
+                <a:effectLst/>
+                <a:latin typeface="+mn-lt"/>
+                <a:ea typeface="+mn-ea"/>
+                <a:cs typeface="+mn-cs"/>
+              </a:rPr>
+              <a:t>variances. The </a:t>
+            </a:r>
+            <a:r>
+              <a:rPr lang="en-US" sz="1200" b="0" i="1" kern="1200" dirty="0">
+                <a:solidFill>
+                  <a:schemeClr val="tx1"/>
+                </a:solidFill>
+                <a:effectLst/>
+                <a:latin typeface="+mn-lt"/>
+                <a:ea typeface="+mn-ea"/>
+                <a:cs typeface="+mn-cs"/>
+              </a:rPr>
+              <a:t>segregation loss L</a:t>
+            </a:r>
+            <a:r>
+              <a:rPr lang="en-US" sz="1200" b="0" i="0" kern="1200" dirty="0">
+                <a:solidFill>
+                  <a:schemeClr val="tx1"/>
+                </a:solidFill>
+                <a:effectLst/>
+                <a:latin typeface="+mn-lt"/>
+                <a:ea typeface="+mn-ea"/>
+                <a:cs typeface="+mn-cs"/>
+              </a:rPr>
+              <a:t>s is proportional to the</a:t>
+            </a:r>
+            <a:br>
+              <a:rPr lang="en-US" sz="1200" b="0" i="0" kern="1200" dirty="0">
+                <a:solidFill>
+                  <a:schemeClr val="tx1"/>
+                </a:solidFill>
+                <a:effectLst/>
+                <a:latin typeface="+mn-lt"/>
+                <a:ea typeface="+mn-ea"/>
+                <a:cs typeface="+mn-cs"/>
+              </a:rPr>
+            </a:br>
+            <a:r>
+              <a:rPr lang="en-US" sz="1200" b="0" i="0" kern="1200" dirty="0">
+                <a:solidFill>
+                  <a:schemeClr val="tx1"/>
+                </a:solidFill>
+                <a:effectLst/>
+                <a:latin typeface="+mn-lt"/>
+                <a:ea typeface="+mn-ea"/>
+                <a:cs typeface="+mn-cs"/>
+              </a:rPr>
+              <a:t>sum of magnitudes (not magnitude of the sum) of forces</a:t>
+            </a:r>
+            <a:r>
+              <a:rPr lang="hr-HR" sz="1200" b="0" i="0" kern="1200" dirty="0">
+                <a:solidFill>
+                  <a:schemeClr val="tx1"/>
+                </a:solidFill>
+                <a:effectLst/>
+                <a:latin typeface="+mn-lt"/>
+                <a:ea typeface="+mn-ea"/>
+                <a:cs typeface="+mn-cs"/>
+              </a:rPr>
+              <a:t> </a:t>
+            </a:r>
+            <a:r>
+              <a:rPr lang="en-US" sz="1200" b="0" i="0" kern="1200" dirty="0">
+                <a:solidFill>
+                  <a:schemeClr val="tx1"/>
+                </a:solidFill>
+                <a:effectLst/>
+                <a:latin typeface="+mn-lt"/>
+                <a:ea typeface="+mn-ea"/>
+                <a:cs typeface="+mn-cs"/>
+              </a:rPr>
+              <a:t>between </a:t>
+            </a:r>
+            <a:r>
+              <a:rPr lang="en-US" sz="1200" b="0" i="1" kern="1200" dirty="0">
+                <a:solidFill>
+                  <a:schemeClr val="tx1"/>
+                </a:solidFill>
+                <a:effectLst/>
+                <a:latin typeface="+mn-lt"/>
+                <a:ea typeface="+mn-ea"/>
+                <a:cs typeface="+mn-cs"/>
+              </a:rPr>
+              <a:t>c </a:t>
+            </a:r>
+            <a:r>
+              <a:rPr lang="en-US" sz="1200" b="0" i="0" kern="1200" dirty="0">
+                <a:solidFill>
+                  <a:schemeClr val="tx1"/>
+                </a:solidFill>
+                <a:effectLst/>
+                <a:latin typeface="+mn-lt"/>
+                <a:ea typeface="+mn-ea"/>
+                <a:cs typeface="+mn-cs"/>
+              </a:rPr>
+              <a:t>equally charged particles each located at one of</a:t>
+            </a:r>
+            <a:r>
+              <a:rPr lang="hr-HR" sz="1200" b="0" i="0" kern="1200" dirty="0">
+                <a:solidFill>
+                  <a:schemeClr val="tx1"/>
+                </a:solidFill>
+                <a:effectLst/>
+                <a:latin typeface="+mn-lt"/>
+                <a:ea typeface="+mn-ea"/>
+                <a:cs typeface="+mn-cs"/>
+              </a:rPr>
+              <a:t> </a:t>
+            </a:r>
+            <a:r>
+              <a:rPr lang="en-US" sz="1200" b="0" i="0" kern="1200" dirty="0">
+                <a:solidFill>
+                  <a:schemeClr val="tx1"/>
+                </a:solidFill>
+                <a:effectLst/>
+                <a:latin typeface="+mn-lt"/>
+                <a:ea typeface="+mn-ea"/>
+                <a:cs typeface="+mn-cs"/>
+              </a:rPr>
+              <a:t>the centroids.</a:t>
+            </a:r>
+            <a:r>
+              <a:rPr lang="en-US" dirty="0"/>
+              <a:t> </a:t>
+            </a:r>
+            <a:endParaRPr lang="hr-HR" dirty="0"/>
+          </a:p>
+        </p:txBody>
+      </p:sp>
+      <p:sp>
+        <p:nvSpPr>
+          <p:cNvPr id="4" name="Slide Number Placeholder 3"/>
+          <p:cNvSpPr>
+            <a:spLocks noGrp="1"/>
+          </p:cNvSpPr>
+          <p:nvPr>
+            <p:ph type="sldNum" sz="quarter" idx="10"/>
+          </p:nvPr>
+        </p:nvSpPr>
+        <p:spPr/>
+        <p:txBody>
+          <a:bodyPr/>
+          <a:lstStyle/>
+          <a:p>
+            <a:fld id="{55E96210-A9A4-43FB-8065-D05213461070}" type="slidenum">
+              <a:rPr lang="hr-HR" smtClean="0"/>
+              <a:t>9</a:t>
+            </a:fld>
+            <a:endParaRPr lang="hr-HR"/>
+          </a:p>
+        </p:txBody>
+      </p:sp>
+    </p:spTree>
+    <p:extLst>
+      <p:ext uri="{BB962C8B-B14F-4D97-AF65-F5344CB8AC3E}">
+        <p14:creationId xmlns:p14="http://schemas.microsoft.com/office/powerpoint/2010/main" val="857180357"/>
+      </p:ext>
+    </p:extLst>
+  </p:cSld>
+  <p:clrMapOvr>
+    <a:masterClrMapping/>
+  </p:clrMapOvr>
+</p:notes>
+</file>
+
+<file path=ppt/notesSlides/notesSlide5.xml><?xml version="1.0" encoding="utf-8"?>
+<p:notes xmlns:a="http://schemas.openxmlformats.org/drawingml/2006/main" xmlns:r="http://schemas.openxmlformats.org/officeDocument/2006/relationships" xmlns:p="http://schemas.openxmlformats.org/presentationml/2006/main">
+  <p:cSld>
+    <p:spTree>
+      <p:nvGrpSpPr>
+        <p:cNvPr id="1" name=""/>
+        <p:cNvGrpSpPr/>
+        <p:nvPr/>
+      </p:nvGrpSpPr>
+      <p:grpSpPr>
+        <a:xfrm>
+          <a:off x="0" y="0"/>
+          <a:ext cx="0" cy="0"/>
+          <a:chOff x="0" y="0"/>
+          <a:chExt cx="0" cy="0"/>
+        </a:xfrm>
+      </p:grpSpPr>
+      <p:sp>
+        <p:nvSpPr>
+          <p:cNvPr id="2" name="Slide Image Placeholder 1"/>
+          <p:cNvSpPr>
+            <a:spLocks noGrp="1" noRot="1" noChangeAspect="1"/>
+          </p:cNvSpPr>
+          <p:nvPr>
+            <p:ph type="sldImg"/>
+          </p:nvPr>
+        </p:nvSpPr>
+        <p:spPr/>
+      </p:sp>
+      <p:sp>
+        <p:nvSpPr>
+          <p:cNvPr id="3" name="Notes Placeholder 2"/>
+          <p:cNvSpPr>
+            <a:spLocks noGrp="1"/>
+          </p:cNvSpPr>
+          <p:nvPr>
+            <p:ph type="body" idx="1"/>
+          </p:nvPr>
+        </p:nvSpPr>
+        <p:spPr/>
+        <p:txBody>
+          <a:bodyPr/>
+          <a:lstStyle/>
+          <a:p>
+            <a:r>
               <a:rPr lang="en-US" dirty="0"/>
               <a:t>Animation here?</a:t>
             </a:r>
@@ -24629,7 +24982,7 @@
 </p:notes>
 </file>
 
-<file path=ppt/notesSlides/notesSlide5.xml><?xml version="1.0" encoding="utf-8"?>
+<file path=ppt/notesSlides/notesSlide6.xml><?xml version="1.0" encoding="utf-8"?>
 <p:notes xmlns:a="http://schemas.openxmlformats.org/drawingml/2006/main" xmlns:r="http://schemas.openxmlformats.org/officeDocument/2006/relationships" xmlns:p="http://schemas.openxmlformats.org/presentationml/2006/main">
   <p:cSld>
     <p:spTree>
@@ -24713,7 +25066,7 @@
 </p:notes>
 </file>
 
-<file path=ppt/notesSlides/notesSlide6.xml><?xml version="1.0" encoding="utf-8"?>
+<file path=ppt/notesSlides/notesSlide7.xml><?xml version="1.0" encoding="utf-8"?>
 <p:notes xmlns:a="http://schemas.openxmlformats.org/drawingml/2006/main" xmlns:r="http://schemas.openxmlformats.org/officeDocument/2006/relationships" xmlns:p="http://schemas.openxmlformats.org/presentationml/2006/main">
   <p:cSld>
     <p:spTree>
@@ -24797,7 +25150,7 @@
 </p:notes>
 </file>
 
-<file path=ppt/notesSlides/notesSlide7.xml><?xml version="1.0" encoding="utf-8"?>
+<file path=ppt/notesSlides/notesSlide8.xml><?xml version="1.0" encoding="utf-8"?>
 <p:notes xmlns:a="http://schemas.openxmlformats.org/drawingml/2006/main" xmlns:r="http://schemas.openxmlformats.org/officeDocument/2006/relationships" xmlns:p="http://schemas.openxmlformats.org/presentationml/2006/main">
   <p:cSld>
     <p:spTree>
@@ -24968,7 +25321,7 @@
 </p:notes>
 </file>
 
-<file path=ppt/notesSlides/notesSlide8.xml><?xml version="1.0" encoding="utf-8"?>
+<file path=ppt/notesSlides/notesSlide9.xml><?xml version="1.0" encoding="utf-8"?>
 <p:notes xmlns:a="http://schemas.openxmlformats.org/drawingml/2006/main" xmlns:r="http://schemas.openxmlformats.org/officeDocument/2006/relationships" xmlns:p="http://schemas.openxmlformats.org/presentationml/2006/main">
   <p:cSld>
     <p:spTree>
@@ -29030,6 +29383,10 @@
           <a:bodyPr/>
           <a:lstStyle/>
           <a:p>
+            <a:r>
+              <a:rPr lang="en-US" dirty="0"/>
+              <a:t>Feature transformation training on a single document</a:t>
+            </a:r>
             <a:endParaRPr lang="hr-HR" dirty="0"/>
           </a:p>
         </p:txBody>
@@ -30216,7 +30573,7 @@
           <p:nvPr/>
         </p:nvPicPr>
         <p:blipFill>
-          <a:blip r:embed="rId2"/>
+          <a:blip r:embed="rId3"/>
           <a:stretch>
             <a:fillRect/>
           </a:stretch>
@@ -30251,7 +30608,7 @@
         </p:xfrm>
         <a:graphic>
           <a:graphicData uri="http://schemas.openxmlformats.org/drawingml/2006/diagram">
-            <dgm:relIds xmlns:dgm="http://schemas.openxmlformats.org/drawingml/2006/diagram" xmlns:r="http://schemas.openxmlformats.org/officeDocument/2006/relationships" r:dm="rId3" r:lo="rId4" r:qs="rId5" r:cs="rId6"/>
+            <dgm:relIds xmlns:dgm="http://schemas.openxmlformats.org/drawingml/2006/diagram" xmlns:r="http://schemas.openxmlformats.org/officeDocument/2006/relationships" r:dm="rId4" r:lo="rId5" r:qs="rId6" r:cs="rId7"/>
           </a:graphicData>
         </a:graphic>
       </p:graphicFrame>

--- a/documentation/presentation/Token-level author diarization using clustering of stylistic contexts.pptx
+++ b/documentation/presentation/Token-level author diarization using clustering of stylistic contexts.pptx
@@ -23685,7 +23685,7 @@
           <a:p>
             <a:fld id="{44B3C5A4-0CCA-4BBB-B598-370495444CF2}" type="datetimeFigureOut">
               <a:rPr lang="hr-HR" smtClean="0"/>
-              <a:t>8.6.2017.</a:t>
+              <a:t>9.6.2017.</a:t>
             </a:fld>
             <a:endParaRPr lang="hr-HR"/>
           </a:p>
@@ -24082,6 +24082,12 @@
           <a:lstStyle/>
           <a:p>
             <a:r>
+              <a:rPr lang="en-US" dirty="0"/>
+              <a:t>We decided to cluster tokens according to authors by looking at the writing </a:t>
+            </a:r>
+          </a:p>
+          <a:p>
+            <a:r>
               <a:rPr lang="hr-HR" dirty="0" err="1"/>
               <a:t>Our</a:t>
             </a:r>
@@ -25268,15 +25274,15 @@
             </a:r>
             <a:r>
               <a:rPr lang="hr-HR" dirty="0" err="1"/>
-              <a:t>tha</a:t>
+              <a:t>than</a:t>
             </a:r>
             <a:r>
               <a:rPr lang="hr-HR" dirty="0"/>
               <a:t> </a:t>
             </a:r>
             <a:r>
-              <a:rPr lang="hr-HR" dirty="0" err="1"/>
-              <a:t>kuzntsov</a:t>
+              <a:rPr lang="hr-HR"/>
+              <a:t>kuznetsov</a:t>
             </a:r>
             <a:r>
               <a:rPr lang="hr-HR" dirty="0"/>
@@ -25549,7 +25555,7 @@
             <a:fld id="{87DE6118-2437-4B30-8E3C-4D2BE6020583}" type="datetimeFigureOut">
               <a:rPr lang="en-US" smtClean="0"/>
               <a:pPr/>
-              <a:t>6/8/2017</a:t>
+              <a:t>6/9/2017</a:t>
             </a:fld>
             <a:endParaRPr lang="en-US" dirty="0"/>
           </a:p>
@@ -25720,7 +25726,7 @@
           <a:p>
             <a:fld id="{87DE6118-2437-4B30-8E3C-4D2BE6020583}" type="datetimeFigureOut">
               <a:rPr lang="en-US" smtClean="0"/>
-              <a:t>6/8/2017</a:t>
+              <a:t>6/9/2017</a:t>
             </a:fld>
             <a:endParaRPr lang="en-US" dirty="0"/>
           </a:p>
@@ -25900,7 +25906,7 @@
           <a:p>
             <a:fld id="{87DE6118-2437-4B30-8E3C-4D2BE6020583}" type="datetimeFigureOut">
               <a:rPr lang="en-US" smtClean="0"/>
-              <a:t>6/8/2017</a:t>
+              <a:t>6/9/2017</a:t>
             </a:fld>
             <a:endParaRPr lang="en-US" dirty="0"/>
           </a:p>
@@ -26070,7 +26076,7 @@
           <a:p>
             <a:fld id="{87DE6118-2437-4B30-8E3C-4D2BE6020583}" type="datetimeFigureOut">
               <a:rPr lang="en-US" smtClean="0"/>
-              <a:t>6/8/2017</a:t>
+              <a:t>6/9/2017</a:t>
             </a:fld>
             <a:endParaRPr lang="en-US" dirty="0"/>
           </a:p>
@@ -26317,7 +26323,7 @@
             <a:fld id="{87DE6118-2437-4B30-8E3C-4D2BE6020583}" type="datetimeFigureOut">
               <a:rPr lang="en-US" smtClean="0"/>
               <a:pPr/>
-              <a:t>6/8/2017</a:t>
+              <a:t>6/9/2017</a:t>
             </a:fld>
             <a:endParaRPr lang="en-US" dirty="0"/>
           </a:p>
@@ -26550,7 +26556,7 @@
           <a:p>
             <a:fld id="{87DE6118-2437-4B30-8E3C-4D2BE6020583}" type="datetimeFigureOut">
               <a:rPr lang="en-US" smtClean="0"/>
-              <a:t>6/8/2017</a:t>
+              <a:t>6/9/2017</a:t>
             </a:fld>
             <a:endParaRPr lang="en-US" dirty="0"/>
           </a:p>
@@ -26917,7 +26923,7 @@
           <a:p>
             <a:fld id="{87DE6118-2437-4B30-8E3C-4D2BE6020583}" type="datetimeFigureOut">
               <a:rPr lang="en-US" smtClean="0"/>
-              <a:t>6/8/2017</a:t>
+              <a:t>6/9/2017</a:t>
             </a:fld>
             <a:endParaRPr lang="en-US" dirty="0"/>
           </a:p>
@@ -27035,7 +27041,7 @@
           <a:p>
             <a:fld id="{87DE6118-2437-4B30-8E3C-4D2BE6020583}" type="datetimeFigureOut">
               <a:rPr lang="en-US" smtClean="0"/>
-              <a:t>6/8/2017</a:t>
+              <a:t>6/9/2017</a:t>
             </a:fld>
             <a:endParaRPr lang="en-US" dirty="0"/>
           </a:p>
@@ -27130,7 +27136,7 @@
           <a:p>
             <a:fld id="{87DE6118-2437-4B30-8E3C-4D2BE6020583}" type="datetimeFigureOut">
               <a:rPr lang="en-US" smtClean="0"/>
-              <a:t>6/8/2017</a:t>
+              <a:t>6/9/2017</a:t>
             </a:fld>
             <a:endParaRPr lang="en-US" dirty="0"/>
           </a:p>
@@ -27408,7 +27414,7 @@
             <a:fld id="{87DE6118-2437-4B30-8E3C-4D2BE6020583}" type="datetimeFigureOut">
               <a:rPr lang="en-US" smtClean="0"/>
               <a:pPr/>
-              <a:t>6/8/2017</a:t>
+              <a:t>6/9/2017</a:t>
             </a:fld>
             <a:endParaRPr lang="en-US" dirty="0"/>
           </a:p>
@@ -27663,7 +27669,7 @@
             <a:fld id="{87DE6118-2437-4B30-8E3C-4D2BE6020583}" type="datetimeFigureOut">
               <a:rPr lang="en-US" smtClean="0"/>
               <a:pPr/>
-              <a:t>6/8/2017</a:t>
+              <a:t>6/9/2017</a:t>
             </a:fld>
             <a:endParaRPr lang="en-US" dirty="0"/>
           </a:p>
@@ -27878,7 +27884,7 @@
             <a:fld id="{87DE6118-2437-4B30-8E3C-4D2BE6020583}" type="datetimeFigureOut">
               <a:rPr lang="en-US" smtClean="0"/>
               <a:pPr/>
-              <a:t>6/8/2017</a:t>
+              <a:t>6/9/2017</a:t>
             </a:fld>
             <a:endParaRPr lang="en-US" dirty="0"/>
           </a:p>
